--- a/대학생을 위한 리더쉽 개발 프로젝트/컴퓨터소프트웨어공학과_이준석_20194009_대학생을 위한 리더쉽-프로젝트.pptx
+++ b/대학생을 위한 리더쉽 개발 프로젝트/컴퓨터소프트웨어공학과_이준석_20194009_대학생을 위한 리더쉽-프로젝트.pptx
@@ -133,7 +133,7 @@
 <file path=ppt/revisionInfo.xml><?xml version="1.0" encoding="utf-8"?>
 <p1510:revInfo xmlns:a="http://schemas.openxmlformats.org/drawingml/2006/main" xmlns:r="http://schemas.openxmlformats.org/officeDocument/2006/relationships" xmlns:p1510="http://schemas.microsoft.com/office/powerpoint/2015/10/main">
   <p1510:revLst>
-    <p1510:client id="{F6F99605-E7DF-4070-B04A-BF2E8742E761}" v="22" dt="2023-04-29T06:40:02.208"/>
+    <p1510:client id="{F6F99605-E7DF-4070-B04A-BF2E8742E761}" v="53" dt="2023-05-01T04:01:48.254"/>
   </p1510:revLst>
 </p1510:revInfo>
 </file>
@@ -142,8 +142,8 @@
 <pc:chgInfo xmlns:a="http://schemas.openxmlformats.org/drawingml/2006/main" xmlns:r="http://schemas.openxmlformats.org/officeDocument/2006/relationships" xmlns:ac="http://schemas.microsoft.com/office/drawing/2013/main/command" xmlns:pc="http://schemas.microsoft.com/office/powerpoint/2013/main/command">
   <pc:docChgLst>
     <pc:chgData name="이 준석" userId="7581758f60bc1c4f" providerId="LiveId" clId="{F6F99605-E7DF-4070-B04A-BF2E8742E761}"/>
-    <pc:docChg chg="modSld">
-      <pc:chgData name="이 준석" userId="7581758f60bc1c4f" providerId="LiveId" clId="{F6F99605-E7DF-4070-B04A-BF2E8742E761}" dt="2023-04-29T06:40:02.208" v="21"/>
+    <pc:docChg chg="undo modSld">
+      <pc:chgData name="이 준석" userId="7581758f60bc1c4f" providerId="LiveId" clId="{F6F99605-E7DF-4070-B04A-BF2E8742E761}" dt="2023-05-01T04:01:48.254" v="55"/>
       <pc:docMkLst>
         <pc:docMk/>
       </pc:docMkLst>
@@ -166,6 +166,36 @@
         <pc:sldMkLst>
           <pc:docMk/>
           <pc:sldMk cId="0" sldId="259"/>
+        </pc:sldMkLst>
+      </pc:sldChg>
+      <pc:sldChg chg="modSp modAnim">
+        <pc:chgData name="이 준석" userId="7581758f60bc1c4f" providerId="LiveId" clId="{F6F99605-E7DF-4070-B04A-BF2E8742E761}" dt="2023-05-01T04:01:10.328" v="49" actId="1076"/>
+        <pc:sldMkLst>
+          <pc:docMk/>
+          <pc:sldMk cId="0" sldId="260"/>
+        </pc:sldMkLst>
+        <pc:grpChg chg="mod">
+          <ac:chgData name="이 준석" userId="7581758f60bc1c4f" providerId="LiveId" clId="{F6F99605-E7DF-4070-B04A-BF2E8742E761}" dt="2023-05-01T04:01:10.328" v="49" actId="1076"/>
+          <ac:grpSpMkLst>
+            <pc:docMk/>
+            <pc:sldMk cId="0" sldId="260"/>
+            <ac:grpSpMk id="1003" creationId="{00000000-0000-0000-0000-000000000000}"/>
+          </ac:grpSpMkLst>
+        </pc:grpChg>
+        <pc:grpChg chg="mod">
+          <ac:chgData name="이 준석" userId="7581758f60bc1c4f" providerId="LiveId" clId="{F6F99605-E7DF-4070-B04A-BF2E8742E761}" dt="2023-05-01T04:00:43.397" v="43" actId="1076"/>
+          <ac:grpSpMkLst>
+            <pc:docMk/>
+            <pc:sldMk cId="0" sldId="260"/>
+            <ac:grpSpMk id="1011" creationId="{00000000-0000-0000-0000-000000000000}"/>
+          </ac:grpSpMkLst>
+        </pc:grpChg>
+      </pc:sldChg>
+      <pc:sldChg chg="modAnim">
+        <pc:chgData name="이 준석" userId="7581758f60bc1c4f" providerId="LiveId" clId="{F6F99605-E7DF-4070-B04A-BF2E8742E761}" dt="2023-05-01T04:01:48.254" v="55"/>
+        <pc:sldMkLst>
+          <pc:docMk/>
+          <pc:sldMk cId="0" sldId="261"/>
         </pc:sldMkLst>
       </pc:sldChg>
     </pc:docChg>
@@ -352,7 +382,7 @@
           <a:p>
             <a:fld id="{F8166F1F-CE9B-4651-A6AA-CD717754106B}" type="datetimeFigureOut">
               <a:rPr lang="en-US" smtClean="0"/>
-              <a:t>4/29/2023</a:t>
+              <a:t>5/1/2023</a:t>
             </a:fld>
             <a:endParaRPr lang="en-US"/>
           </a:p>
@@ -515,7 +545,7 @@
           <a:p>
             <a:fld id="{A76116CE-C4A3-4A05-B2D7-7C2E9A889C0F}" type="datetimeFigureOut">
               <a:rPr lang="en-US" smtClean="0"/>
-              <a:t>4/29/2023</a:t>
+              <a:t>5/1/2023</a:t>
             </a:fld>
             <a:endParaRPr lang="en-US"/>
           </a:p>
@@ -688,7 +718,7 @@
           <a:p>
             <a:fld id="{A76116CE-C4A3-4A05-B2D7-7C2E9A889C0F}" type="datetimeFigureOut">
               <a:rPr lang="en-US" smtClean="0"/>
-              <a:t>4/29/2023</a:t>
+              <a:t>5/1/2023</a:t>
             </a:fld>
             <a:endParaRPr lang="en-US"/>
           </a:p>
@@ -853,7 +883,7 @@
           <a:p>
             <a:fld id="{A76116CE-C4A3-4A05-B2D7-7C2E9A889C0F}" type="datetimeFigureOut">
               <a:rPr lang="en-US" smtClean="0"/>
-              <a:t>4/29/2023</a:t>
+              <a:t>5/1/2023</a:t>
             </a:fld>
             <a:endParaRPr lang="en-US"/>
           </a:p>
@@ -1093,7 +1123,7 @@
           <a:p>
             <a:fld id="{A76116CE-C4A3-4A05-B2D7-7C2E9A889C0F}" type="datetimeFigureOut">
               <a:rPr lang="en-US" smtClean="0"/>
-              <a:t>4/29/2023</a:t>
+              <a:t>5/1/2023</a:t>
             </a:fld>
             <a:endParaRPr lang="en-US"/>
           </a:p>
@@ -1373,7 +1403,7 @@
           <a:p>
             <a:fld id="{A76116CE-C4A3-4A05-B2D7-7C2E9A889C0F}" type="datetimeFigureOut">
               <a:rPr lang="en-US" smtClean="0"/>
-              <a:t>4/29/2023</a:t>
+              <a:t>5/1/2023</a:t>
             </a:fld>
             <a:endParaRPr lang="en-US"/>
           </a:p>
@@ -1787,7 +1817,7 @@
           <a:p>
             <a:fld id="{A76116CE-C4A3-4A05-B2D7-7C2E9A889C0F}" type="datetimeFigureOut">
               <a:rPr lang="en-US" smtClean="0"/>
-              <a:t>4/29/2023</a:t>
+              <a:t>5/1/2023</a:t>
             </a:fld>
             <a:endParaRPr lang="en-US"/>
           </a:p>
@@ -1899,7 +1929,7 @@
           <a:p>
             <a:fld id="{A76116CE-C4A3-4A05-B2D7-7C2E9A889C0F}" type="datetimeFigureOut">
               <a:rPr lang="en-US" smtClean="0"/>
-              <a:t>4/29/2023</a:t>
+              <a:t>5/1/2023</a:t>
             </a:fld>
             <a:endParaRPr lang="en-US"/>
           </a:p>
@@ -1989,7 +2019,7 @@
           <a:p>
             <a:fld id="{A76116CE-C4A3-4A05-B2D7-7C2E9A889C0F}" type="datetimeFigureOut">
               <a:rPr lang="en-US" smtClean="0"/>
-              <a:t>4/29/2023</a:t>
+              <a:t>5/1/2023</a:t>
             </a:fld>
             <a:endParaRPr lang="en-US"/>
           </a:p>
@@ -2259,7 +2289,7 @@
           <a:p>
             <a:fld id="{A76116CE-C4A3-4A05-B2D7-7C2E9A889C0F}" type="datetimeFigureOut">
               <a:rPr lang="en-US" smtClean="0"/>
-              <a:t>4/29/2023</a:t>
+              <a:t>5/1/2023</a:t>
             </a:fld>
             <a:endParaRPr lang="en-US"/>
           </a:p>
@@ -2506,7 +2536,7 @@
           <a:p>
             <a:fld id="{A76116CE-C4A3-4A05-B2D7-7C2E9A889C0F}" type="datetimeFigureOut">
               <a:rPr lang="en-US" smtClean="0"/>
-              <a:t>4/29/2023</a:t>
+              <a:t>5/1/2023</a:t>
             </a:fld>
             <a:endParaRPr lang="en-US"/>
           </a:p>
@@ -2712,7 +2742,7 @@
           <a:p>
             <a:fld id="{F8166F1F-CE9B-4651-A6AA-CD717754106B}" type="datetimeFigureOut">
               <a:rPr lang="en-US" smtClean="0"/>
-              <a:t>4/29/2023</a:t>
+              <a:t>5/1/2023</a:t>
             </a:fld>
             <a:endParaRPr lang="en-US"/>
           </a:p>
@@ -6670,7 +6700,7 @@
         </p:nvGrpSpPr>
         <p:grpSpPr>
           <a:xfrm>
-            <a:off x="2363790" y="4204288"/>
+            <a:off x="2363790" y="4201582"/>
             <a:ext cx="12521027" cy="2071729"/>
             <a:chOff x="2363790" y="4204288"/>
             <a:chExt cx="12521027" cy="2071729"/>
@@ -6832,6 +6862,513 @@
   <p:clrMapOvr>
     <a:masterClrMapping/>
   </p:clrMapOvr>
+  <p:timing>
+    <p:tnLst>
+      <p:par>
+        <p:cTn id="1" dur="indefinite" restart="never" nodeType="tmRoot">
+          <p:childTnLst>
+            <p:seq concurrent="1" nextAc="seek">
+              <p:cTn id="2" dur="indefinite" nodeType="mainSeq">
+                <p:childTnLst>
+                  <p:par>
+                    <p:cTn id="3" fill="hold">
+                      <p:stCondLst>
+                        <p:cond delay="indefinite"/>
+                      </p:stCondLst>
+                      <p:childTnLst>
+                        <p:par>
+                          <p:cTn id="4" fill="hold">
+                            <p:stCondLst>
+                              <p:cond delay="0"/>
+                            </p:stCondLst>
+                            <p:childTnLst>
+                              <p:par>
+                                <p:cTn id="5" presetID="14" presetClass="entr" presetSubtype="10" fill="hold" nodeType="clickEffect">
+                                  <p:stCondLst>
+                                    <p:cond delay="0"/>
+                                  </p:stCondLst>
+                                  <p:childTnLst>
+                                    <p:set>
+                                      <p:cBhvr>
+                                        <p:cTn id="6" dur="1" fill="hold">
+                                          <p:stCondLst>
+                                            <p:cond delay="0"/>
+                                          </p:stCondLst>
+                                        </p:cTn>
+                                        <p:tgtEl>
+                                          <p:spTgt spid="9"/>
+                                        </p:tgtEl>
+                                        <p:attrNameLst>
+                                          <p:attrName>style.visibility</p:attrName>
+                                        </p:attrNameLst>
+                                      </p:cBhvr>
+                                      <p:to>
+                                        <p:strVal val="visible"/>
+                                      </p:to>
+                                    </p:set>
+                                    <p:animEffect transition="in" filter="randombar(horizontal)">
+                                      <p:cBhvr>
+                                        <p:cTn id="7" dur="500"/>
+                                        <p:tgtEl>
+                                          <p:spTgt spid="9"/>
+                                        </p:tgtEl>
+                                      </p:cBhvr>
+                                    </p:animEffect>
+                                  </p:childTnLst>
+                                </p:cTn>
+                              </p:par>
+                            </p:childTnLst>
+                          </p:cTn>
+                        </p:par>
+                      </p:childTnLst>
+                    </p:cTn>
+                  </p:par>
+                  <p:par>
+                    <p:cTn id="8" fill="hold">
+                      <p:stCondLst>
+                        <p:cond delay="indefinite"/>
+                      </p:stCondLst>
+                      <p:childTnLst>
+                        <p:par>
+                          <p:cTn id="9" fill="hold">
+                            <p:stCondLst>
+                              <p:cond delay="0"/>
+                            </p:stCondLst>
+                            <p:childTnLst>
+                              <p:par>
+                                <p:cTn id="10" presetID="14" presetClass="entr" presetSubtype="10" fill="hold" nodeType="clickEffect">
+                                  <p:stCondLst>
+                                    <p:cond delay="0"/>
+                                  </p:stCondLst>
+                                  <p:childTnLst>
+                                    <p:set>
+                                      <p:cBhvr>
+                                        <p:cTn id="11" dur="1" fill="hold">
+                                          <p:stCondLst>
+                                            <p:cond delay="0"/>
+                                          </p:stCondLst>
+                                        </p:cTn>
+                                        <p:tgtEl>
+                                          <p:spTgt spid="33"/>
+                                        </p:tgtEl>
+                                        <p:attrNameLst>
+                                          <p:attrName>style.visibility</p:attrName>
+                                        </p:attrNameLst>
+                                      </p:cBhvr>
+                                      <p:to>
+                                        <p:strVal val="visible"/>
+                                      </p:to>
+                                    </p:set>
+                                    <p:animEffect transition="in" filter="randombar(horizontal)">
+                                      <p:cBhvr>
+                                        <p:cTn id="12" dur="500"/>
+                                        <p:tgtEl>
+                                          <p:spTgt spid="33"/>
+                                        </p:tgtEl>
+                                      </p:cBhvr>
+                                    </p:animEffect>
+                                  </p:childTnLst>
+                                </p:cTn>
+                              </p:par>
+                            </p:childTnLst>
+                          </p:cTn>
+                        </p:par>
+                      </p:childTnLst>
+                    </p:cTn>
+                  </p:par>
+                  <p:par>
+                    <p:cTn id="13" fill="hold">
+                      <p:stCondLst>
+                        <p:cond delay="indefinite"/>
+                      </p:stCondLst>
+                      <p:childTnLst>
+                        <p:par>
+                          <p:cTn id="14" fill="hold">
+                            <p:stCondLst>
+                              <p:cond delay="0"/>
+                            </p:stCondLst>
+                            <p:childTnLst>
+                              <p:par>
+                                <p:cTn id="15" presetID="14" presetClass="entr" presetSubtype="10" fill="hold" nodeType="clickEffect">
+                                  <p:stCondLst>
+                                    <p:cond delay="0"/>
+                                  </p:stCondLst>
+                                  <p:childTnLst>
+                                    <p:set>
+                                      <p:cBhvr>
+                                        <p:cTn id="16" dur="1" fill="hold">
+                                          <p:stCondLst>
+                                            <p:cond delay="0"/>
+                                          </p:stCondLst>
+                                        </p:cTn>
+                                        <p:tgtEl>
+                                          <p:spTgt spid="16"/>
+                                        </p:tgtEl>
+                                        <p:attrNameLst>
+                                          <p:attrName>style.visibility</p:attrName>
+                                        </p:attrNameLst>
+                                      </p:cBhvr>
+                                      <p:to>
+                                        <p:strVal val="visible"/>
+                                      </p:to>
+                                    </p:set>
+                                    <p:animEffect transition="in" filter="randombar(horizontal)">
+                                      <p:cBhvr>
+                                        <p:cTn id="17" dur="500"/>
+                                        <p:tgtEl>
+                                          <p:spTgt spid="16"/>
+                                        </p:tgtEl>
+                                      </p:cBhvr>
+                                    </p:animEffect>
+                                  </p:childTnLst>
+                                </p:cTn>
+                              </p:par>
+                            </p:childTnLst>
+                          </p:cTn>
+                        </p:par>
+                      </p:childTnLst>
+                    </p:cTn>
+                  </p:par>
+                  <p:par>
+                    <p:cTn id="18" fill="hold">
+                      <p:stCondLst>
+                        <p:cond delay="indefinite"/>
+                      </p:stCondLst>
+                      <p:childTnLst>
+                        <p:par>
+                          <p:cTn id="19" fill="hold">
+                            <p:stCondLst>
+                              <p:cond delay="0"/>
+                            </p:stCondLst>
+                            <p:childTnLst>
+                              <p:par>
+                                <p:cTn id="20" presetID="14" presetClass="entr" presetSubtype="10" fill="hold" nodeType="clickEffect">
+                                  <p:stCondLst>
+                                    <p:cond delay="0"/>
+                                  </p:stCondLst>
+                                  <p:childTnLst>
+                                    <p:set>
+                                      <p:cBhvr>
+                                        <p:cTn id="21" dur="1" fill="hold">
+                                          <p:stCondLst>
+                                            <p:cond delay="0"/>
+                                          </p:stCondLst>
+                                        </p:cTn>
+                                        <p:tgtEl>
+                                          <p:spTgt spid="38"/>
+                                        </p:tgtEl>
+                                        <p:attrNameLst>
+                                          <p:attrName>style.visibility</p:attrName>
+                                        </p:attrNameLst>
+                                      </p:cBhvr>
+                                      <p:to>
+                                        <p:strVal val="visible"/>
+                                      </p:to>
+                                    </p:set>
+                                    <p:animEffect transition="in" filter="randombar(horizontal)">
+                                      <p:cBhvr>
+                                        <p:cTn id="22" dur="500"/>
+                                        <p:tgtEl>
+                                          <p:spTgt spid="38"/>
+                                        </p:tgtEl>
+                                      </p:cBhvr>
+                                    </p:animEffect>
+                                  </p:childTnLst>
+                                </p:cTn>
+                              </p:par>
+                            </p:childTnLst>
+                          </p:cTn>
+                        </p:par>
+                      </p:childTnLst>
+                    </p:cTn>
+                  </p:par>
+                  <p:par>
+                    <p:cTn id="23" fill="hold">
+                      <p:stCondLst>
+                        <p:cond delay="indefinite"/>
+                      </p:stCondLst>
+                      <p:childTnLst>
+                        <p:par>
+                          <p:cTn id="24" fill="hold">
+                            <p:stCondLst>
+                              <p:cond delay="0"/>
+                            </p:stCondLst>
+                            <p:childTnLst>
+                              <p:par>
+                                <p:cTn id="25" presetID="14" presetClass="entr" presetSubtype="10" fill="hold" nodeType="clickEffect">
+                                  <p:stCondLst>
+                                    <p:cond delay="0"/>
+                                  </p:stCondLst>
+                                  <p:childTnLst>
+                                    <p:set>
+                                      <p:cBhvr>
+                                        <p:cTn id="26" dur="1" fill="hold">
+                                          <p:stCondLst>
+                                            <p:cond delay="0"/>
+                                          </p:stCondLst>
+                                        </p:cTn>
+                                        <p:tgtEl>
+                                          <p:spTgt spid="23"/>
+                                        </p:tgtEl>
+                                        <p:attrNameLst>
+                                          <p:attrName>style.visibility</p:attrName>
+                                        </p:attrNameLst>
+                                      </p:cBhvr>
+                                      <p:to>
+                                        <p:strVal val="visible"/>
+                                      </p:to>
+                                    </p:set>
+                                    <p:animEffect transition="in" filter="randombar(horizontal)">
+                                      <p:cBhvr>
+                                        <p:cTn id="27" dur="500"/>
+                                        <p:tgtEl>
+                                          <p:spTgt spid="23"/>
+                                        </p:tgtEl>
+                                      </p:cBhvr>
+                                    </p:animEffect>
+                                  </p:childTnLst>
+                                </p:cTn>
+                              </p:par>
+                            </p:childTnLst>
+                          </p:cTn>
+                        </p:par>
+                      </p:childTnLst>
+                    </p:cTn>
+                  </p:par>
+                  <p:par>
+                    <p:cTn id="28" fill="hold">
+                      <p:stCondLst>
+                        <p:cond delay="indefinite"/>
+                      </p:stCondLst>
+                      <p:childTnLst>
+                        <p:par>
+                          <p:cTn id="29" fill="hold">
+                            <p:stCondLst>
+                              <p:cond delay="0"/>
+                            </p:stCondLst>
+                            <p:childTnLst>
+                              <p:par>
+                                <p:cTn id="30" presetID="14" presetClass="entr" presetSubtype="10" fill="hold" nodeType="clickEffect">
+                                  <p:stCondLst>
+                                    <p:cond delay="0"/>
+                                  </p:stCondLst>
+                                  <p:childTnLst>
+                                    <p:set>
+                                      <p:cBhvr>
+                                        <p:cTn id="31" dur="1" fill="hold">
+                                          <p:stCondLst>
+                                            <p:cond delay="0"/>
+                                          </p:stCondLst>
+                                        </p:cTn>
+                                        <p:tgtEl>
+                                          <p:spTgt spid="39"/>
+                                        </p:tgtEl>
+                                        <p:attrNameLst>
+                                          <p:attrName>style.visibility</p:attrName>
+                                        </p:attrNameLst>
+                                      </p:cBhvr>
+                                      <p:to>
+                                        <p:strVal val="visible"/>
+                                      </p:to>
+                                    </p:set>
+                                    <p:animEffect transition="in" filter="randombar(horizontal)">
+                                      <p:cBhvr>
+                                        <p:cTn id="32" dur="500"/>
+                                        <p:tgtEl>
+                                          <p:spTgt spid="39"/>
+                                        </p:tgtEl>
+                                      </p:cBhvr>
+                                    </p:animEffect>
+                                  </p:childTnLst>
+                                </p:cTn>
+                              </p:par>
+                            </p:childTnLst>
+                          </p:cTn>
+                        </p:par>
+                      </p:childTnLst>
+                    </p:cTn>
+                  </p:par>
+                  <p:par>
+                    <p:cTn id="33" fill="hold">
+                      <p:stCondLst>
+                        <p:cond delay="indefinite"/>
+                      </p:stCondLst>
+                      <p:childTnLst>
+                        <p:par>
+                          <p:cTn id="34" fill="hold">
+                            <p:stCondLst>
+                              <p:cond delay="0"/>
+                            </p:stCondLst>
+                            <p:childTnLst>
+                              <p:par>
+                                <p:cTn id="35" presetID="14" presetClass="entr" presetSubtype="10" fill="hold" nodeType="clickEffect">
+                                  <p:stCondLst>
+                                    <p:cond delay="0"/>
+                                  </p:stCondLst>
+                                  <p:childTnLst>
+                                    <p:set>
+                                      <p:cBhvr>
+                                        <p:cTn id="36" dur="1" fill="hold">
+                                          <p:stCondLst>
+                                            <p:cond delay="0"/>
+                                          </p:stCondLst>
+                                        </p:cTn>
+                                        <p:tgtEl>
+                                          <p:spTgt spid="40"/>
+                                        </p:tgtEl>
+                                        <p:attrNameLst>
+                                          <p:attrName>style.visibility</p:attrName>
+                                        </p:attrNameLst>
+                                      </p:cBhvr>
+                                      <p:to>
+                                        <p:strVal val="visible"/>
+                                      </p:to>
+                                    </p:set>
+                                    <p:animEffect transition="in" filter="randombar(horizontal)">
+                                      <p:cBhvr>
+                                        <p:cTn id="37" dur="500"/>
+                                        <p:tgtEl>
+                                          <p:spTgt spid="40"/>
+                                        </p:tgtEl>
+                                      </p:cBhvr>
+                                    </p:animEffect>
+                                  </p:childTnLst>
+                                </p:cTn>
+                              </p:par>
+                            </p:childTnLst>
+                          </p:cTn>
+                        </p:par>
+                      </p:childTnLst>
+                    </p:cTn>
+                  </p:par>
+                  <p:par>
+                    <p:cTn id="38" fill="hold">
+                      <p:stCondLst>
+                        <p:cond delay="indefinite"/>
+                      </p:stCondLst>
+                      <p:childTnLst>
+                        <p:par>
+                          <p:cTn id="39" fill="hold">
+                            <p:stCondLst>
+                              <p:cond delay="0"/>
+                            </p:stCondLst>
+                            <p:childTnLst>
+                              <p:par>
+                                <p:cTn id="40" presetID="14" presetClass="entr" presetSubtype="10" fill="hold" nodeType="clickEffect">
+                                  <p:stCondLst>
+                                    <p:cond delay="0"/>
+                                  </p:stCondLst>
+                                  <p:childTnLst>
+                                    <p:set>
+                                      <p:cBhvr>
+                                        <p:cTn id="41" dur="1" fill="hold">
+                                          <p:stCondLst>
+                                            <p:cond delay="0"/>
+                                          </p:stCondLst>
+                                        </p:cTn>
+                                        <p:tgtEl>
+                                          <p:spTgt spid="41"/>
+                                        </p:tgtEl>
+                                        <p:attrNameLst>
+                                          <p:attrName>style.visibility</p:attrName>
+                                        </p:attrNameLst>
+                                      </p:cBhvr>
+                                      <p:to>
+                                        <p:strVal val="visible"/>
+                                      </p:to>
+                                    </p:set>
+                                    <p:animEffect transition="in" filter="randombar(horizontal)">
+                                      <p:cBhvr>
+                                        <p:cTn id="42" dur="500"/>
+                                        <p:tgtEl>
+                                          <p:spTgt spid="41"/>
+                                        </p:tgtEl>
+                                      </p:cBhvr>
+                                    </p:animEffect>
+                                  </p:childTnLst>
+                                </p:cTn>
+                              </p:par>
+                            </p:childTnLst>
+                          </p:cTn>
+                        </p:par>
+                      </p:childTnLst>
+                    </p:cTn>
+                  </p:par>
+                  <p:par>
+                    <p:cTn id="43" fill="hold">
+                      <p:stCondLst>
+                        <p:cond delay="indefinite"/>
+                      </p:stCondLst>
+                      <p:childTnLst>
+                        <p:par>
+                          <p:cTn id="44" fill="hold">
+                            <p:stCondLst>
+                              <p:cond delay="0"/>
+                            </p:stCondLst>
+                            <p:childTnLst>
+                              <p:par>
+                                <p:cTn id="45" presetID="16" presetClass="entr" presetSubtype="21" fill="hold" nodeType="clickEffect">
+                                  <p:stCondLst>
+                                    <p:cond delay="0"/>
+                                  </p:stCondLst>
+                                  <p:childTnLst>
+                                    <p:set>
+                                      <p:cBhvr>
+                                        <p:cTn id="46" dur="1" fill="hold">
+                                          <p:stCondLst>
+                                            <p:cond delay="0"/>
+                                          </p:stCondLst>
+                                        </p:cTn>
+                                        <p:tgtEl>
+                                          <p:spTgt spid="1011"/>
+                                        </p:tgtEl>
+                                        <p:attrNameLst>
+                                          <p:attrName>style.visibility</p:attrName>
+                                        </p:attrNameLst>
+                                      </p:cBhvr>
+                                      <p:to>
+                                        <p:strVal val="visible"/>
+                                      </p:to>
+                                    </p:set>
+                                    <p:animEffect transition="in" filter="barn(inVertical)">
+                                      <p:cBhvr>
+                                        <p:cTn id="47" dur="500"/>
+                                        <p:tgtEl>
+                                          <p:spTgt spid="1011"/>
+                                        </p:tgtEl>
+                                      </p:cBhvr>
+                                    </p:animEffect>
+                                  </p:childTnLst>
+                                </p:cTn>
+                              </p:par>
+                            </p:childTnLst>
+                          </p:cTn>
+                        </p:par>
+                      </p:childTnLst>
+                    </p:cTn>
+                  </p:par>
+                </p:childTnLst>
+              </p:cTn>
+              <p:prevCondLst>
+                <p:cond evt="onPrev" delay="0">
+                  <p:tgtEl>
+                    <p:sldTgt/>
+                  </p:tgtEl>
+                </p:cond>
+              </p:prevCondLst>
+              <p:nextCondLst>
+                <p:cond evt="onNext" delay="0">
+                  <p:tgtEl>
+                    <p:sldTgt/>
+                  </p:tgtEl>
+                </p:cond>
+              </p:nextCondLst>
+            </p:seq>
+          </p:childTnLst>
+        </p:cTn>
+      </p:par>
+    </p:tnLst>
+  </p:timing>
 </p:sld>
 </file>
 
@@ -7465,6 +8002,159 @@
   <p:clrMapOvr>
     <a:masterClrMapping/>
   </p:clrMapOvr>
+  <p:timing>
+    <p:tnLst>
+      <p:par>
+        <p:cTn id="1" dur="indefinite" restart="never" nodeType="tmRoot">
+          <p:childTnLst>
+            <p:seq concurrent="1" nextAc="seek">
+              <p:cTn id="2" dur="indefinite" nodeType="mainSeq">
+                <p:childTnLst>
+                  <p:par>
+                    <p:cTn id="3" fill="hold">
+                      <p:stCondLst>
+                        <p:cond delay="indefinite"/>
+                      </p:stCondLst>
+                      <p:childTnLst>
+                        <p:par>
+                          <p:cTn id="4" fill="hold">
+                            <p:stCondLst>
+                              <p:cond delay="0"/>
+                            </p:stCondLst>
+                            <p:childTnLst>
+                              <p:par>
+                                <p:cTn id="5" presetID="10" presetClass="entr" presetSubtype="0" fill="hold" nodeType="clickEffect">
+                                  <p:stCondLst>
+                                    <p:cond delay="0"/>
+                                  </p:stCondLst>
+                                  <p:childTnLst>
+                                    <p:set>
+                                      <p:cBhvr>
+                                        <p:cTn id="6" dur="1" fill="hold">
+                                          <p:stCondLst>
+                                            <p:cond delay="0"/>
+                                          </p:stCondLst>
+                                        </p:cTn>
+                                        <p:tgtEl>
+                                          <p:spTgt spid="1008"/>
+                                        </p:tgtEl>
+                                        <p:attrNameLst>
+                                          <p:attrName>style.visibility</p:attrName>
+                                        </p:attrNameLst>
+                                      </p:cBhvr>
+                                      <p:to>
+                                        <p:strVal val="visible"/>
+                                      </p:to>
+                                    </p:set>
+                                    <p:animEffect transition="in" filter="fade">
+                                      <p:cBhvr>
+                                        <p:cTn id="7" dur="500"/>
+                                        <p:tgtEl>
+                                          <p:spTgt spid="1008"/>
+                                        </p:tgtEl>
+                                      </p:cBhvr>
+                                    </p:animEffect>
+                                  </p:childTnLst>
+                                </p:cTn>
+                              </p:par>
+                              <p:par>
+                                <p:cTn id="8" presetID="10" presetClass="entr" presetSubtype="0" fill="hold" nodeType="withEffect">
+                                  <p:stCondLst>
+                                    <p:cond delay="0"/>
+                                  </p:stCondLst>
+                                  <p:childTnLst>
+                                    <p:set>
+                                      <p:cBhvr>
+                                        <p:cTn id="9" dur="1" fill="hold">
+                                          <p:stCondLst>
+                                            <p:cond delay="0"/>
+                                          </p:stCondLst>
+                                        </p:cTn>
+                                        <p:tgtEl>
+                                          <p:spTgt spid="37"/>
+                                        </p:tgtEl>
+                                        <p:attrNameLst>
+                                          <p:attrName>style.visibility</p:attrName>
+                                        </p:attrNameLst>
+                                      </p:cBhvr>
+                                      <p:to>
+                                        <p:strVal val="visible"/>
+                                      </p:to>
+                                    </p:set>
+                                    <p:animEffect transition="in" filter="fade">
+                                      <p:cBhvr>
+                                        <p:cTn id="10" dur="500"/>
+                                        <p:tgtEl>
+                                          <p:spTgt spid="37"/>
+                                        </p:tgtEl>
+                                      </p:cBhvr>
+                                    </p:animEffect>
+                                  </p:childTnLst>
+                                </p:cTn>
+                              </p:par>
+                              <p:par>
+                                <p:cTn id="11" presetID="10" presetClass="entr" presetSubtype="0" fill="hold" nodeType="withEffect">
+                                  <p:stCondLst>
+                                    <p:cond delay="0"/>
+                                  </p:stCondLst>
+                                  <p:childTnLst>
+                                    <p:set>
+                                      <p:cBhvr>
+                                        <p:cTn id="12" dur="1" fill="hold">
+                                          <p:stCondLst>
+                                            <p:cond delay="0"/>
+                                          </p:stCondLst>
+                                        </p:cTn>
+                                        <p:tgtEl>
+                                          <p:spTgt spid="36"/>
+                                        </p:tgtEl>
+                                        <p:attrNameLst>
+                                          <p:attrName>style.visibility</p:attrName>
+                                        </p:attrNameLst>
+                                      </p:cBhvr>
+                                      <p:to>
+                                        <p:strVal val="visible"/>
+                                      </p:to>
+                                    </p:set>
+                                    <p:animEffect transition="in" filter="fade">
+                                      <p:cBhvr>
+                                        <p:cTn id="13" dur="500"/>
+                                        <p:tgtEl>
+                                          <p:spTgt spid="36"/>
+                                        </p:tgtEl>
+                                      </p:cBhvr>
+                                    </p:animEffect>
+                                  </p:childTnLst>
+                                </p:cTn>
+                              </p:par>
+                            </p:childTnLst>
+                          </p:cTn>
+                        </p:par>
+                      </p:childTnLst>
+                    </p:cTn>
+                  </p:par>
+                </p:childTnLst>
+              </p:cTn>
+              <p:prevCondLst>
+                <p:cond evt="onPrev" delay="0">
+                  <p:tgtEl>
+                    <p:sldTgt/>
+                  </p:tgtEl>
+                </p:cond>
+              </p:prevCondLst>
+              <p:nextCondLst>
+                <p:cond evt="onNext" delay="0">
+                  <p:tgtEl>
+                    <p:sldTgt/>
+                  </p:tgtEl>
+                </p:cond>
+              </p:nextCondLst>
+            </p:seq>
+          </p:childTnLst>
+        </p:cTn>
+      </p:par>
+    </p:tnLst>
+  </p:timing>
 </p:sld>
 </file>
 
